--- a/protocollo_sied.pptx
+++ b/protocollo_sied.pptx
@@ -6917,10 +6917,10 @@
   </p:clrMapOvr>
   <mc:AlternateContent xmlns:mc="http://schemas.openxmlformats.org/markup-compatibility/2006">
     <mc:Choice xmlns:p14="http://schemas.microsoft.com/office/powerpoint/2010/main" Requires="p14">
-      <p:transition p14:dur="10" advTm="30000"/>
+      <p:transition p14:dur="10" advTm="5000"/>
     </mc:Choice>
     <mc:Fallback>
-      <p:transition advTm="30000"/>
+      <p:transition advTm="5000"/>
     </mc:Fallback>
   </mc:AlternateContent>
 </p:sld>
@@ -6996,10 +6996,10 @@
   </p:clrMapOvr>
   <mc:AlternateContent xmlns:mc="http://schemas.openxmlformats.org/markup-compatibility/2006">
     <mc:Choice xmlns:p14="http://schemas.microsoft.com/office/powerpoint/2010/main" Requires="p14">
-      <p:transition p14:dur="10" advTm="30000"/>
+      <p:transition p14:dur="10" advTm="5000"/>
     </mc:Choice>
     <mc:Fallback>
-      <p:transition advTm="30000"/>
+      <p:transition advTm="5000"/>
     </mc:Fallback>
   </mc:AlternateContent>
 </p:sld>
@@ -7075,10 +7075,10 @@
   </p:clrMapOvr>
   <mc:AlternateContent xmlns:mc="http://schemas.openxmlformats.org/markup-compatibility/2006">
     <mc:Choice xmlns:p14="http://schemas.microsoft.com/office/powerpoint/2010/main" Requires="p14">
-      <p:transition p14:dur="10" advTm="30000"/>
+      <p:transition p14:dur="10" advTm="20000"/>
     </mc:Choice>
     <mc:Fallback>
-      <p:transition advTm="30000"/>
+      <p:transition advTm="20000"/>
     </mc:Fallback>
   </mc:AlternateContent>
 </p:sld>
@@ -7154,10 +7154,10 @@
   </p:clrMapOvr>
   <mc:AlternateContent xmlns:mc="http://schemas.openxmlformats.org/markup-compatibility/2006">
     <mc:Choice xmlns:p14="http://schemas.microsoft.com/office/powerpoint/2010/main" Requires="p14">
-      <p:transition p14:dur="10" advTm="30000"/>
+      <p:transition p14:dur="10" advTm="5000"/>
     </mc:Choice>
     <mc:Fallback>
-      <p:transition advTm="30000"/>
+      <p:transition advTm="5000"/>
     </mc:Fallback>
   </mc:AlternateContent>
 </p:sld>
@@ -7233,10 +7233,10 @@
   </p:clrMapOvr>
   <mc:AlternateContent xmlns:mc="http://schemas.openxmlformats.org/markup-compatibility/2006">
     <mc:Choice xmlns:p14="http://schemas.microsoft.com/office/powerpoint/2010/main" Requires="p14">
-      <p:transition p14:dur="10" advTm="30000"/>
+      <p:transition p14:dur="10" advTm="20000"/>
     </mc:Choice>
     <mc:Fallback>
-      <p:transition advTm="30000"/>
+      <p:transition advTm="20000"/>
     </mc:Fallback>
   </mc:AlternateContent>
 </p:sld>
@@ -7312,10 +7312,10 @@
   </p:clrMapOvr>
   <mc:AlternateContent xmlns:mc="http://schemas.openxmlformats.org/markup-compatibility/2006">
     <mc:Choice xmlns:p14="http://schemas.microsoft.com/office/powerpoint/2010/main" Requires="p14">
-      <p:transition p14:dur="10" advTm="30000"/>
+      <p:transition p14:dur="10" advTm="5000"/>
     </mc:Choice>
     <mc:Fallback>
-      <p:transition advTm="30000"/>
+      <p:transition advTm="5000"/>
     </mc:Fallback>
   </mc:AlternateContent>
 </p:sld>
@@ -7391,10 +7391,10 @@
   </p:clrMapOvr>
   <mc:AlternateContent xmlns:mc="http://schemas.openxmlformats.org/markup-compatibility/2006">
     <mc:Choice xmlns:p14="http://schemas.microsoft.com/office/powerpoint/2010/main" Requires="p14">
-      <p:transition p14:dur="10" advTm="30000"/>
+      <p:transition p14:dur="10" advTm="20000"/>
     </mc:Choice>
     <mc:Fallback>
-      <p:transition advTm="30000"/>
+      <p:transition advTm="20000"/>
     </mc:Fallback>
   </mc:AlternateContent>
 </p:sld>
@@ -7470,10 +7470,10 @@
   </p:clrMapOvr>
   <mc:AlternateContent xmlns:mc="http://schemas.openxmlformats.org/markup-compatibility/2006">
     <mc:Choice xmlns:p14="http://schemas.microsoft.com/office/powerpoint/2010/main" Requires="p14">
-      <p:transition p14:dur="10" advTm="30000"/>
+      <p:transition p14:dur="10" advTm="5000"/>
     </mc:Choice>
     <mc:Fallback>
-      <p:transition advTm="30000"/>
+      <p:transition advTm="5000"/>
     </mc:Fallback>
   </mc:AlternateContent>
 </p:sld>
@@ -7549,10 +7549,10 @@
   </p:clrMapOvr>
   <mc:AlternateContent xmlns:mc="http://schemas.openxmlformats.org/markup-compatibility/2006">
     <mc:Choice xmlns:p14="http://schemas.microsoft.com/office/powerpoint/2010/main" Requires="p14">
-      <p:transition p14:dur="10" advTm="30000"/>
+      <p:transition p14:dur="10" advTm="20000"/>
     </mc:Choice>
     <mc:Fallback>
-      <p:transition advTm="30000"/>
+      <p:transition advTm="20000"/>
     </mc:Fallback>
   </mc:AlternateContent>
 </p:sld>
@@ -7628,10 +7628,10 @@
   </p:clrMapOvr>
   <mc:AlternateContent xmlns:mc="http://schemas.openxmlformats.org/markup-compatibility/2006">
     <mc:Choice xmlns:p14="http://schemas.microsoft.com/office/powerpoint/2010/main" Requires="p14">
-      <p:transition p14:dur="10" advTm="30000"/>
+      <p:transition p14:dur="10" advTm="5000"/>
     </mc:Choice>
     <mc:Fallback>
-      <p:transition advTm="30000"/>
+      <p:transition advTm="5000"/>
     </mc:Fallback>
   </mc:AlternateContent>
 </p:sld>
@@ -7707,10 +7707,10 @@
   </p:clrMapOvr>
   <mc:AlternateContent xmlns:mc="http://schemas.openxmlformats.org/markup-compatibility/2006">
     <mc:Choice xmlns:p14="http://schemas.microsoft.com/office/powerpoint/2010/main" Requires="p14">
-      <p:transition p14:dur="10" advTm="30000"/>
+      <p:transition p14:dur="10" advTm="20000"/>
     </mc:Choice>
     <mc:Fallback>
-      <p:transition advTm="30000"/>
+      <p:transition advTm="20000"/>
     </mc:Fallback>
   </mc:AlternateContent>
 </p:sld>
@@ -7786,10 +7786,10 @@
   </p:clrMapOvr>
   <mc:AlternateContent xmlns:mc="http://schemas.openxmlformats.org/markup-compatibility/2006">
     <mc:Choice xmlns:p14="http://schemas.microsoft.com/office/powerpoint/2010/main" Requires="p14">
-      <p:transition p14:dur="10" advTm="30000"/>
+      <p:transition p14:dur="10" advTm="20000"/>
     </mc:Choice>
     <mc:Fallback>
-      <p:transition advTm="30000"/>
+      <p:transition advTm="20000"/>
     </mc:Fallback>
   </mc:AlternateContent>
 </p:sld>
@@ -7865,10 +7865,10 @@
   </p:clrMapOvr>
   <mc:AlternateContent xmlns:mc="http://schemas.openxmlformats.org/markup-compatibility/2006">
     <mc:Choice xmlns:p14="http://schemas.microsoft.com/office/powerpoint/2010/main" Requires="p14">
-      <p:transition p14:dur="10" advTm="30000"/>
+      <p:transition p14:dur="10" advTm="5000"/>
     </mc:Choice>
     <mc:Fallback>
-      <p:transition advTm="30000"/>
+      <p:transition advTm="5000"/>
     </mc:Fallback>
   </mc:AlternateContent>
 </p:sld>
@@ -7944,10 +7944,10 @@
   </p:clrMapOvr>
   <mc:AlternateContent xmlns:mc="http://schemas.openxmlformats.org/markup-compatibility/2006">
     <mc:Choice xmlns:p14="http://schemas.microsoft.com/office/powerpoint/2010/main" Requires="p14">
-      <p:transition p14:dur="10" advTm="30000"/>
+      <p:transition p14:dur="10" advTm="20000"/>
     </mc:Choice>
     <mc:Fallback>
-      <p:transition advTm="30000"/>
+      <p:transition advTm="20000"/>
     </mc:Fallback>
   </mc:AlternateContent>
 </p:sld>
@@ -8023,10 +8023,10 @@
   </p:clrMapOvr>
   <mc:AlternateContent xmlns:mc="http://schemas.openxmlformats.org/markup-compatibility/2006">
     <mc:Choice xmlns:p14="http://schemas.microsoft.com/office/powerpoint/2010/main" Requires="p14">
-      <p:transition p14:dur="10" advTm="30000"/>
+      <p:transition p14:dur="10" advTm="5000"/>
     </mc:Choice>
     <mc:Fallback>
-      <p:transition advTm="30000"/>
+      <p:transition advTm="5000"/>
     </mc:Fallback>
   </mc:AlternateContent>
 </p:sld>
@@ -8102,10 +8102,10 @@
   </p:clrMapOvr>
   <mc:AlternateContent xmlns:mc="http://schemas.openxmlformats.org/markup-compatibility/2006">
     <mc:Choice xmlns:p14="http://schemas.microsoft.com/office/powerpoint/2010/main" Requires="p14">
-      <p:transition p14:dur="10" advTm="30000"/>
+      <p:transition p14:dur="10" advTm="20000"/>
     </mc:Choice>
     <mc:Fallback>
-      <p:transition advTm="30000"/>
+      <p:transition advTm="20000"/>
     </mc:Fallback>
   </mc:AlternateContent>
 </p:sld>
@@ -8181,10 +8181,10 @@
   </p:clrMapOvr>
   <mc:AlternateContent xmlns:mc="http://schemas.openxmlformats.org/markup-compatibility/2006">
     <mc:Choice xmlns:p14="http://schemas.microsoft.com/office/powerpoint/2010/main" Requires="p14">
-      <p:transition p14:dur="10" advTm="30000"/>
+      <p:transition p14:dur="10" advTm="5000"/>
     </mc:Choice>
     <mc:Fallback>
-      <p:transition advTm="30000"/>
+      <p:transition advTm="5000"/>
     </mc:Fallback>
   </mc:AlternateContent>
 </p:sld>
@@ -8260,10 +8260,10 @@
   </p:clrMapOvr>
   <mc:AlternateContent xmlns:mc="http://schemas.openxmlformats.org/markup-compatibility/2006">
     <mc:Choice xmlns:p14="http://schemas.microsoft.com/office/powerpoint/2010/main" Requires="p14">
-      <p:transition p14:dur="10" advTm="30000"/>
+      <p:transition p14:dur="10" advTm="20000"/>
     </mc:Choice>
     <mc:Fallback>
-      <p:transition advTm="30000"/>
+      <p:transition advTm="20000"/>
     </mc:Fallback>
   </mc:AlternateContent>
 </p:sld>
@@ -8339,10 +8339,10 @@
   </p:clrMapOvr>
   <mc:AlternateContent xmlns:mc="http://schemas.openxmlformats.org/markup-compatibility/2006">
     <mc:Choice xmlns:p14="http://schemas.microsoft.com/office/powerpoint/2010/main" Requires="p14">
-      <p:transition p14:dur="10" advTm="30000"/>
+      <p:transition p14:dur="10" advTm="5000"/>
     </mc:Choice>
     <mc:Fallback>
-      <p:transition advTm="30000"/>
+      <p:transition advTm="5000"/>
     </mc:Fallback>
   </mc:AlternateContent>
 </p:sld>
@@ -8418,10 +8418,10 @@
   </p:clrMapOvr>
   <mc:AlternateContent xmlns:mc="http://schemas.openxmlformats.org/markup-compatibility/2006">
     <mc:Choice xmlns:p14="http://schemas.microsoft.com/office/powerpoint/2010/main" Requires="p14">
-      <p:transition p14:dur="10" advTm="30000"/>
+      <p:transition p14:dur="10" advTm="20000"/>
     </mc:Choice>
     <mc:Fallback>
-      <p:transition advTm="30000"/>
+      <p:transition advTm="20000"/>
     </mc:Fallback>
   </mc:AlternateContent>
 </p:sld>
@@ -8497,10 +8497,10 @@
   </p:clrMapOvr>
   <mc:AlternateContent xmlns:mc="http://schemas.openxmlformats.org/markup-compatibility/2006">
     <mc:Choice xmlns:p14="http://schemas.microsoft.com/office/powerpoint/2010/main" Requires="p14">
-      <p:transition p14:dur="10" advTm="30000"/>
+      <p:transition p14:dur="10" advTm="5000"/>
     </mc:Choice>
     <mc:Fallback>
-      <p:transition advTm="30000"/>
+      <p:transition advTm="5000"/>
     </mc:Fallback>
   </mc:AlternateContent>
 </p:sld>
@@ -8576,10 +8576,10 @@
   </p:clrMapOvr>
   <mc:AlternateContent xmlns:mc="http://schemas.openxmlformats.org/markup-compatibility/2006">
     <mc:Choice xmlns:p14="http://schemas.microsoft.com/office/powerpoint/2010/main" Requires="p14">
-      <p:transition p14:dur="10" advTm="30000"/>
+      <p:transition p14:dur="10" advTm="20000"/>
     </mc:Choice>
     <mc:Fallback>
-      <p:transition advTm="30000"/>
+      <p:transition advTm="20000"/>
     </mc:Fallback>
   </mc:AlternateContent>
 </p:sld>
@@ -8655,10 +8655,10 @@
   </p:clrMapOvr>
   <mc:AlternateContent xmlns:mc="http://schemas.openxmlformats.org/markup-compatibility/2006">
     <mc:Choice xmlns:p14="http://schemas.microsoft.com/office/powerpoint/2010/main" Requires="p14">
-      <p:transition p14:dur="10" advTm="30000"/>
+      <p:transition p14:dur="10" advTm="5000"/>
     </mc:Choice>
     <mc:Fallback>
-      <p:transition advTm="30000"/>
+      <p:transition advTm="5000"/>
     </mc:Fallback>
   </mc:AlternateContent>
 </p:sld>
@@ -8734,10 +8734,10 @@
   </p:clrMapOvr>
   <mc:AlternateContent xmlns:mc="http://schemas.openxmlformats.org/markup-compatibility/2006">
     <mc:Choice xmlns:p14="http://schemas.microsoft.com/office/powerpoint/2010/main" Requires="p14">
-      <p:transition p14:dur="10" advTm="30000"/>
+      <p:transition p14:dur="10" advTm="5000"/>
     </mc:Choice>
     <mc:Fallback>
-      <p:transition advTm="30000"/>
+      <p:transition advTm="5000"/>
     </mc:Fallback>
   </mc:AlternateContent>
 </p:sld>
@@ -8813,10 +8813,10 @@
   </p:clrMapOvr>
   <mc:AlternateContent xmlns:mc="http://schemas.openxmlformats.org/markup-compatibility/2006">
     <mc:Choice xmlns:p14="http://schemas.microsoft.com/office/powerpoint/2010/main" Requires="p14">
-      <p:transition p14:dur="10" advTm="30000"/>
+      <p:transition p14:dur="10" advTm="20000"/>
     </mc:Choice>
     <mc:Fallback>
-      <p:transition advTm="30000"/>
+      <p:transition advTm="20000"/>
     </mc:Fallback>
   </mc:AlternateContent>
 </p:sld>
@@ -8892,10 +8892,10 @@
   </p:clrMapOvr>
   <mc:AlternateContent xmlns:mc="http://schemas.openxmlformats.org/markup-compatibility/2006">
     <mc:Choice xmlns:p14="http://schemas.microsoft.com/office/powerpoint/2010/main" Requires="p14">
-      <p:transition p14:dur="10" advTm="30000"/>
+      <p:transition p14:dur="10" advTm="5000"/>
     </mc:Choice>
     <mc:Fallback>
-      <p:transition advTm="30000"/>
+      <p:transition advTm="5000"/>
     </mc:Fallback>
   </mc:AlternateContent>
 </p:sld>
@@ -8971,10 +8971,10 @@
   </p:clrMapOvr>
   <mc:AlternateContent xmlns:mc="http://schemas.openxmlformats.org/markup-compatibility/2006">
     <mc:Choice xmlns:p14="http://schemas.microsoft.com/office/powerpoint/2010/main" Requires="p14">
-      <p:transition p14:dur="10" advTm="30000"/>
+      <p:transition p14:dur="10" advTm="20000"/>
     </mc:Choice>
     <mc:Fallback>
-      <p:transition advTm="30000"/>
+      <p:transition advTm="20000"/>
     </mc:Fallback>
   </mc:AlternateContent>
 </p:sld>
@@ -9050,10 +9050,10 @@
   </p:clrMapOvr>
   <mc:AlternateContent xmlns:mc="http://schemas.openxmlformats.org/markup-compatibility/2006">
     <mc:Choice xmlns:p14="http://schemas.microsoft.com/office/powerpoint/2010/main" Requires="p14">
-      <p:transition p14:dur="10" advTm="30000"/>
+      <p:transition p14:dur="10" advTm="5000"/>
     </mc:Choice>
     <mc:Fallback>
-      <p:transition advTm="30000"/>
+      <p:transition advTm="5000"/>
     </mc:Fallback>
   </mc:AlternateContent>
 </p:sld>
@@ -9129,10 +9129,10 @@
   </p:clrMapOvr>
   <mc:AlternateContent xmlns:mc="http://schemas.openxmlformats.org/markup-compatibility/2006">
     <mc:Choice xmlns:p14="http://schemas.microsoft.com/office/powerpoint/2010/main" Requires="p14">
-      <p:transition p14:dur="10" advTm="30000"/>
+      <p:transition p14:dur="10" advTm="20000"/>
     </mc:Choice>
     <mc:Fallback>
-      <p:transition advTm="30000"/>
+      <p:transition advTm="20000"/>
     </mc:Fallback>
   </mc:AlternateContent>
 </p:sld>
@@ -9208,10 +9208,10 @@
   </p:clrMapOvr>
   <mc:AlternateContent xmlns:mc="http://schemas.openxmlformats.org/markup-compatibility/2006">
     <mc:Choice xmlns:p14="http://schemas.microsoft.com/office/powerpoint/2010/main" Requires="p14">
-      <p:transition p14:dur="10" advTm="30000"/>
+      <p:transition p14:dur="10" advTm="5000"/>
     </mc:Choice>
     <mc:Fallback>
-      <p:transition advTm="30000"/>
+      <p:transition advTm="5000"/>
     </mc:Fallback>
   </mc:AlternateContent>
 </p:sld>
@@ -9287,10 +9287,10 @@
   </p:clrMapOvr>
   <mc:AlternateContent xmlns:mc="http://schemas.openxmlformats.org/markup-compatibility/2006">
     <mc:Choice xmlns:p14="http://schemas.microsoft.com/office/powerpoint/2010/main" Requires="p14">
-      <p:transition p14:dur="10" advTm="30000"/>
+      <p:transition p14:dur="10" advTm="20000"/>
     </mc:Choice>
     <mc:Fallback>
-      <p:transition advTm="30000"/>
+      <p:transition advTm="20000"/>
     </mc:Fallback>
   </mc:AlternateContent>
 </p:sld>
@@ -9366,10 +9366,10 @@
   </p:clrMapOvr>
   <mc:AlternateContent xmlns:mc="http://schemas.openxmlformats.org/markup-compatibility/2006">
     <mc:Choice xmlns:p14="http://schemas.microsoft.com/office/powerpoint/2010/main" Requires="p14">
-      <p:transition p14:dur="10" advTm="30000"/>
+      <p:transition p14:dur="10" advTm="5000"/>
     </mc:Choice>
     <mc:Fallback>
-      <p:transition advTm="30000"/>
+      <p:transition advTm="5000"/>
     </mc:Fallback>
   </mc:AlternateContent>
 </p:sld>
@@ -9445,10 +9445,10 @@
   </p:clrMapOvr>
   <mc:AlternateContent xmlns:mc="http://schemas.openxmlformats.org/markup-compatibility/2006">
     <mc:Choice xmlns:p14="http://schemas.microsoft.com/office/powerpoint/2010/main" Requires="p14">
-      <p:transition p14:dur="10" advTm="30000"/>
+      <p:transition p14:dur="10" advTm="20000"/>
     </mc:Choice>
     <mc:Fallback>
-      <p:transition advTm="30000"/>
+      <p:transition advTm="20000"/>
     </mc:Fallback>
   </mc:AlternateContent>
 </p:sld>
@@ -9524,10 +9524,10 @@
   </p:clrMapOvr>
   <mc:AlternateContent xmlns:mc="http://schemas.openxmlformats.org/markup-compatibility/2006">
     <mc:Choice xmlns:p14="http://schemas.microsoft.com/office/powerpoint/2010/main" Requires="p14">
-      <p:transition p14:dur="10" advTm="30000"/>
+      <p:transition p14:dur="10" advTm="20000"/>
     </mc:Choice>
     <mc:Fallback>
-      <p:transition advTm="30000"/>
+      <p:transition advTm="20000"/>
     </mc:Fallback>
   </mc:AlternateContent>
 </p:sld>
@@ -9603,10 +9603,10 @@
   </p:clrMapOvr>
   <mc:AlternateContent xmlns:mc="http://schemas.openxmlformats.org/markup-compatibility/2006">
     <mc:Choice xmlns:p14="http://schemas.microsoft.com/office/powerpoint/2010/main" Requires="p14">
-      <p:transition p14:dur="10" advTm="30000"/>
+      <p:transition p14:dur="10" advTm="5000"/>
     </mc:Choice>
     <mc:Fallback>
-      <p:transition advTm="30000"/>
+      <p:transition advTm="5000"/>
     </mc:Fallback>
   </mc:AlternateContent>
 </p:sld>
@@ -9682,10 +9682,10 @@
   </p:clrMapOvr>
   <mc:AlternateContent xmlns:mc="http://schemas.openxmlformats.org/markup-compatibility/2006">
     <mc:Choice xmlns:p14="http://schemas.microsoft.com/office/powerpoint/2010/main" Requires="p14">
-      <p:transition p14:dur="10" advTm="30000"/>
+      <p:transition p14:dur="10" advTm="20000"/>
     </mc:Choice>
     <mc:Fallback>
-      <p:transition advTm="30000"/>
+      <p:transition advTm="20000"/>
     </mc:Fallback>
   </mc:AlternateContent>
 </p:sld>
@@ -9761,10 +9761,10 @@
   </p:clrMapOvr>
   <mc:AlternateContent xmlns:mc="http://schemas.openxmlformats.org/markup-compatibility/2006">
     <mc:Choice xmlns:p14="http://schemas.microsoft.com/office/powerpoint/2010/main" Requires="p14">
-      <p:transition p14:dur="10" advTm="30000"/>
+      <p:transition p14:dur="10" advTm="5000"/>
     </mc:Choice>
     <mc:Fallback>
-      <p:transition advTm="30000"/>
+      <p:transition advTm="5000"/>
     </mc:Fallback>
   </mc:AlternateContent>
 </p:sld>
@@ -9840,10 +9840,10 @@
   </p:clrMapOvr>
   <mc:AlternateContent xmlns:mc="http://schemas.openxmlformats.org/markup-compatibility/2006">
     <mc:Choice xmlns:p14="http://schemas.microsoft.com/office/powerpoint/2010/main" Requires="p14">
-      <p:transition p14:dur="10" advTm="30000"/>
+      <p:transition p14:dur="10" advTm="20000"/>
     </mc:Choice>
     <mc:Fallback>
-      <p:transition advTm="30000"/>
+      <p:transition advTm="20000"/>
     </mc:Fallback>
   </mc:AlternateContent>
 </p:sld>
@@ -9919,10 +9919,10 @@
   </p:clrMapOvr>
   <mc:AlternateContent xmlns:mc="http://schemas.openxmlformats.org/markup-compatibility/2006">
     <mc:Choice xmlns:p14="http://schemas.microsoft.com/office/powerpoint/2010/main" Requires="p14">
-      <p:transition p14:dur="10" advTm="30000"/>
+      <p:transition p14:dur="10" advTm="5000"/>
     </mc:Choice>
     <mc:Fallback>
-      <p:transition advTm="30000"/>
+      <p:transition advTm="5000"/>
     </mc:Fallback>
   </mc:AlternateContent>
 </p:sld>
@@ -9998,10 +9998,10 @@
   </p:clrMapOvr>
   <mc:AlternateContent xmlns:mc="http://schemas.openxmlformats.org/markup-compatibility/2006">
     <mc:Choice xmlns:p14="http://schemas.microsoft.com/office/powerpoint/2010/main" Requires="p14">
-      <p:transition p14:dur="10" advTm="30000"/>
+      <p:transition p14:dur="10" advTm="20000"/>
     </mc:Choice>
     <mc:Fallback>
-      <p:transition advTm="30000"/>
+      <p:transition advTm="20000"/>
     </mc:Fallback>
   </mc:AlternateContent>
 </p:sld>
@@ -10077,10 +10077,10 @@
   </p:clrMapOvr>
   <mc:AlternateContent xmlns:mc="http://schemas.openxmlformats.org/markup-compatibility/2006">
     <mc:Choice xmlns:p14="http://schemas.microsoft.com/office/powerpoint/2010/main" Requires="p14">
-      <p:transition p14:dur="10" advTm="30000"/>
+      <p:transition p14:dur="10" advTm="5000"/>
     </mc:Choice>
     <mc:Fallback>
-      <p:transition advTm="30000"/>
+      <p:transition advTm="5000"/>
     </mc:Fallback>
   </mc:AlternateContent>
 </p:sld>
@@ -10156,10 +10156,10 @@
   </p:clrMapOvr>
   <mc:AlternateContent xmlns:mc="http://schemas.openxmlformats.org/markup-compatibility/2006">
     <mc:Choice xmlns:p14="http://schemas.microsoft.com/office/powerpoint/2010/main" Requires="p14">
-      <p:transition p14:dur="10" advTm="30000"/>
+      <p:transition p14:dur="10" advTm="20000"/>
     </mc:Choice>
     <mc:Fallback>
-      <p:transition advTm="30000"/>
+      <p:transition advTm="20000"/>
     </mc:Fallback>
   </mc:AlternateContent>
 </p:sld>
@@ -10235,10 +10235,10 @@
   </p:clrMapOvr>
   <mc:AlternateContent xmlns:mc="http://schemas.openxmlformats.org/markup-compatibility/2006">
     <mc:Choice xmlns:p14="http://schemas.microsoft.com/office/powerpoint/2010/main" Requires="p14">
-      <p:transition p14:dur="10" advTm="30000"/>
+      <p:transition p14:dur="10" advTm="5000"/>
     </mc:Choice>
     <mc:Fallback>
-      <p:transition advTm="30000"/>
+      <p:transition advTm="5000"/>
     </mc:Fallback>
   </mc:AlternateContent>
 </p:sld>
@@ -10314,10 +10314,10 @@
   </p:clrMapOvr>
   <mc:AlternateContent xmlns:mc="http://schemas.openxmlformats.org/markup-compatibility/2006">
     <mc:Choice xmlns:p14="http://schemas.microsoft.com/office/powerpoint/2010/main" Requires="p14">
-      <p:transition p14:dur="10" advTm="30000"/>
+      <p:transition p14:dur="10" advTm="20000"/>
     </mc:Choice>
     <mc:Fallback>
-      <p:transition advTm="30000"/>
+      <p:transition advTm="20000"/>
     </mc:Fallback>
   </mc:AlternateContent>
 </p:sld>
@@ -10393,10 +10393,10 @@
   </p:clrMapOvr>
   <mc:AlternateContent xmlns:mc="http://schemas.openxmlformats.org/markup-compatibility/2006">
     <mc:Choice xmlns:p14="http://schemas.microsoft.com/office/powerpoint/2010/main" Requires="p14">
-      <p:transition p14:dur="10" advTm="30000"/>
+      <p:transition p14:dur="10" advTm="5000"/>
     </mc:Choice>
     <mc:Fallback>
-      <p:transition advTm="30000"/>
+      <p:transition advTm="5000"/>
     </mc:Fallback>
   </mc:AlternateContent>
 </p:sld>
@@ -10472,10 +10472,10 @@
   </p:clrMapOvr>
   <mc:AlternateContent xmlns:mc="http://schemas.openxmlformats.org/markup-compatibility/2006">
     <mc:Choice xmlns:p14="http://schemas.microsoft.com/office/powerpoint/2010/main" Requires="p14">
-      <p:transition p14:dur="10" advTm="30000"/>
+      <p:transition p14:dur="10" advTm="5000"/>
     </mc:Choice>
     <mc:Fallback>
-      <p:transition advTm="30000"/>
+      <p:transition advTm="5000"/>
     </mc:Fallback>
   </mc:AlternateContent>
 </p:sld>
@@ -10551,10 +10551,10 @@
   </p:clrMapOvr>
   <mc:AlternateContent xmlns:mc="http://schemas.openxmlformats.org/markup-compatibility/2006">
     <mc:Choice xmlns:p14="http://schemas.microsoft.com/office/powerpoint/2010/main" Requires="p14">
-      <p:transition p14:dur="10" advTm="30000"/>
+      <p:transition p14:dur="10" advTm="20000"/>
     </mc:Choice>
     <mc:Fallback>
-      <p:transition advTm="30000"/>
+      <p:transition advTm="20000"/>
     </mc:Fallback>
   </mc:AlternateContent>
 </p:sld>
@@ -10630,10 +10630,10 @@
   </p:clrMapOvr>
   <mc:AlternateContent xmlns:mc="http://schemas.openxmlformats.org/markup-compatibility/2006">
     <mc:Choice xmlns:p14="http://schemas.microsoft.com/office/powerpoint/2010/main" Requires="p14">
-      <p:transition p14:dur="10" advTm="30000"/>
+      <p:transition p14:dur="10" advTm="5000"/>
     </mc:Choice>
     <mc:Fallback>
-      <p:transition advTm="30000"/>
+      <p:transition advTm="5000"/>
     </mc:Fallback>
   </mc:AlternateContent>
 </p:sld>
@@ -10876,10 +10876,10 @@
   </p:clrMapOvr>
   <mc:AlternateContent xmlns:mc="http://schemas.openxmlformats.org/markup-compatibility/2006">
     <mc:Choice xmlns:p14="http://schemas.microsoft.com/office/powerpoint/2010/main" Requires="p14">
-      <p:transition p14:dur="10" advTm="30000"/>
+      <p:transition p14:dur="10" advTm="20000"/>
     </mc:Choice>
     <mc:Fallback>
-      <p:transition advTm="30000"/>
+      <p:transition advTm="20000"/>
     </mc:Fallback>
   </mc:AlternateContent>
 </p:sld>
@@ -10955,10 +10955,10 @@
   </p:clrMapOvr>
   <mc:AlternateContent xmlns:mc="http://schemas.openxmlformats.org/markup-compatibility/2006">
     <mc:Choice xmlns:p14="http://schemas.microsoft.com/office/powerpoint/2010/main" Requires="p14">
-      <p:transition p14:dur="10" advTm="30000"/>
+      <p:transition p14:dur="10" advTm="5000"/>
     </mc:Choice>
     <mc:Fallback>
-      <p:transition advTm="30000"/>
+      <p:transition advTm="5000"/>
     </mc:Fallback>
   </mc:AlternateContent>
 </p:sld>
@@ -11034,10 +11034,10 @@
   </p:clrMapOvr>
   <mc:AlternateContent xmlns:mc="http://schemas.openxmlformats.org/markup-compatibility/2006">
     <mc:Choice xmlns:p14="http://schemas.microsoft.com/office/powerpoint/2010/main" Requires="p14">
-      <p:transition p14:dur="10" advTm="30000"/>
+      <p:transition p14:dur="10" advTm="20000"/>
     </mc:Choice>
     <mc:Fallback>
-      <p:transition advTm="30000"/>
+      <p:transition advTm="20000"/>
     </mc:Fallback>
   </mc:AlternateContent>
 </p:sld>
@@ -11113,10 +11113,10 @@
   </p:clrMapOvr>
   <mc:AlternateContent xmlns:mc="http://schemas.openxmlformats.org/markup-compatibility/2006">
     <mc:Choice xmlns:p14="http://schemas.microsoft.com/office/powerpoint/2010/main" Requires="p14">
-      <p:transition p14:dur="10" advTm="30000"/>
+      <p:transition p14:dur="10" advTm="5000"/>
     </mc:Choice>
     <mc:Fallback>
-      <p:transition advTm="30000"/>
+      <p:transition advTm="5000"/>
     </mc:Fallback>
   </mc:AlternateContent>
 </p:sld>
@@ -11192,10 +11192,10 @@
   </p:clrMapOvr>
   <mc:AlternateContent xmlns:mc="http://schemas.openxmlformats.org/markup-compatibility/2006">
     <mc:Choice xmlns:p14="http://schemas.microsoft.com/office/powerpoint/2010/main" Requires="p14">
-      <p:transition p14:dur="10" advTm="30000"/>
+      <p:transition p14:dur="10" advTm="20000"/>
     </mc:Choice>
     <mc:Fallback>
-      <p:transition advTm="30000"/>
+      <p:transition advTm="20000"/>
     </mc:Fallback>
   </mc:AlternateContent>
 </p:sld>
@@ -11271,10 +11271,10 @@
   </p:clrMapOvr>
   <mc:AlternateContent xmlns:mc="http://schemas.openxmlformats.org/markup-compatibility/2006">
     <mc:Choice xmlns:p14="http://schemas.microsoft.com/office/powerpoint/2010/main" Requires="p14">
-      <p:transition p14:dur="10" advTm="30000"/>
+      <p:transition p14:dur="10" advTm="5000"/>
     </mc:Choice>
     <mc:Fallback>
-      <p:transition advTm="30000"/>
+      <p:transition advTm="5000"/>
     </mc:Fallback>
   </mc:AlternateContent>
 </p:sld>
@@ -11350,10 +11350,10 @@
   </p:clrMapOvr>
   <mc:AlternateContent xmlns:mc="http://schemas.openxmlformats.org/markup-compatibility/2006">
     <mc:Choice xmlns:p14="http://schemas.microsoft.com/office/powerpoint/2010/main" Requires="p14">
-      <p:transition p14:dur="10" advTm="30000"/>
+      <p:transition p14:dur="10" advTm="5000"/>
     </mc:Choice>
     <mc:Fallback>
-      <p:transition advTm="30000"/>
+      <p:transition advTm="5000"/>
     </mc:Fallback>
   </mc:AlternateContent>
 </p:sld>
@@ -11429,10 +11429,10 @@
   </p:clrMapOvr>
   <mc:AlternateContent xmlns:mc="http://schemas.openxmlformats.org/markup-compatibility/2006">
     <mc:Choice xmlns:p14="http://schemas.microsoft.com/office/powerpoint/2010/main" Requires="p14">
-      <p:transition p14:dur="10" advTm="30000"/>
+      <p:transition p14:dur="10" advTm="20000"/>
     </mc:Choice>
     <mc:Fallback>
-      <p:transition advTm="30000"/>
+      <p:transition advTm="20000"/>
     </mc:Fallback>
   </mc:AlternateContent>
 </p:sld>
@@ -11508,10 +11508,10 @@
   </p:clrMapOvr>
   <mc:AlternateContent xmlns:mc="http://schemas.openxmlformats.org/markup-compatibility/2006">
     <mc:Choice xmlns:p14="http://schemas.microsoft.com/office/powerpoint/2010/main" Requires="p14">
-      <p:transition p14:dur="10" advTm="30000"/>
+      <p:transition p14:dur="10" advTm="5000"/>
     </mc:Choice>
     <mc:Fallback>
-      <p:transition advTm="30000"/>
+      <p:transition advTm="5000"/>
     </mc:Fallback>
   </mc:AlternateContent>
 </p:sld>
@@ -11587,10 +11587,10 @@
   </p:clrMapOvr>
   <mc:AlternateContent xmlns:mc="http://schemas.openxmlformats.org/markup-compatibility/2006">
     <mc:Choice xmlns:p14="http://schemas.microsoft.com/office/powerpoint/2010/main" Requires="p14">
-      <p:transition p14:dur="10" advTm="30000"/>
+      <p:transition p14:dur="10" advTm="20000"/>
     </mc:Choice>
     <mc:Fallback>
-      <p:transition advTm="30000"/>
+      <p:transition advTm="20000"/>
     </mc:Fallback>
   </mc:AlternateContent>
 </p:sld>
@@ -11666,10 +11666,10 @@
   </p:clrMapOvr>
   <mc:AlternateContent xmlns:mc="http://schemas.openxmlformats.org/markup-compatibility/2006">
     <mc:Choice xmlns:p14="http://schemas.microsoft.com/office/powerpoint/2010/main" Requires="p14">
-      <p:transition p14:dur="10" advTm="30000"/>
+      <p:transition p14:dur="10" advTm="5000"/>
     </mc:Choice>
     <mc:Fallback>
-      <p:transition advTm="30000"/>
+      <p:transition advTm="5000"/>
     </mc:Fallback>
   </mc:AlternateContent>
 </p:sld>
@@ -11745,10 +11745,10 @@
   </p:clrMapOvr>
   <mc:AlternateContent xmlns:mc="http://schemas.openxmlformats.org/markup-compatibility/2006">
     <mc:Choice xmlns:p14="http://schemas.microsoft.com/office/powerpoint/2010/main" Requires="p14">
-      <p:transition p14:dur="10" advTm="30000"/>
+      <p:transition p14:dur="10" advTm="20000"/>
     </mc:Choice>
     <mc:Fallback>
-      <p:transition advTm="30000"/>
+      <p:transition advTm="20000"/>
     </mc:Fallback>
   </mc:AlternateContent>
 </p:sld>
@@ -11824,10 +11824,10 @@
   </p:clrMapOvr>
   <mc:AlternateContent xmlns:mc="http://schemas.openxmlformats.org/markup-compatibility/2006">
     <mc:Choice xmlns:p14="http://schemas.microsoft.com/office/powerpoint/2010/main" Requires="p14">
-      <p:transition p14:dur="10" advTm="30000"/>
+      <p:transition p14:dur="10" advTm="5000"/>
     </mc:Choice>
     <mc:Fallback>
-      <p:transition advTm="30000"/>
+      <p:transition advTm="5000"/>
     </mc:Fallback>
   </mc:AlternateContent>
 </p:sld>
@@ -11903,10 +11903,10 @@
   </p:clrMapOvr>
   <mc:AlternateContent xmlns:mc="http://schemas.openxmlformats.org/markup-compatibility/2006">
     <mc:Choice xmlns:p14="http://schemas.microsoft.com/office/powerpoint/2010/main" Requires="p14">
-      <p:transition p14:dur="10" advTm="30000"/>
+      <p:transition p14:dur="10" advTm="20000"/>
     </mc:Choice>
     <mc:Fallback>
-      <p:transition advTm="30000"/>
+      <p:transition advTm="20000"/>
     </mc:Fallback>
   </mc:AlternateContent>
 </p:sld>
@@ -11982,10 +11982,10 @@
   </p:clrMapOvr>
   <mc:AlternateContent xmlns:mc="http://schemas.openxmlformats.org/markup-compatibility/2006">
     <mc:Choice xmlns:p14="http://schemas.microsoft.com/office/powerpoint/2010/main" Requires="p14">
-      <p:transition p14:dur="10" advTm="30000"/>
+      <p:transition p14:dur="10" advTm="5000"/>
     </mc:Choice>
     <mc:Fallback>
-      <p:transition advTm="30000"/>
+      <p:transition advTm="5000"/>
     </mc:Fallback>
   </mc:AlternateContent>
 </p:sld>
@@ -12061,10 +12061,10 @@
   </p:clrMapOvr>
   <mc:AlternateContent xmlns:mc="http://schemas.openxmlformats.org/markup-compatibility/2006">
     <mc:Choice xmlns:p14="http://schemas.microsoft.com/office/powerpoint/2010/main" Requires="p14">
-      <p:transition p14:dur="10" advTm="30000"/>
+      <p:transition p14:dur="10" advTm="20000"/>
     </mc:Choice>
     <mc:Fallback>
-      <p:transition advTm="30000"/>
+      <p:transition advTm="20000"/>
     </mc:Fallback>
   </mc:AlternateContent>
 </p:sld>
@@ -12140,10 +12140,10 @@
   </p:clrMapOvr>
   <mc:AlternateContent xmlns:mc="http://schemas.openxmlformats.org/markup-compatibility/2006">
     <mc:Choice xmlns:p14="http://schemas.microsoft.com/office/powerpoint/2010/main" Requires="p14">
-      <p:transition p14:dur="10" advTm="30000"/>
+      <p:transition p14:dur="10" advTm="20000"/>
     </mc:Choice>
     <mc:Fallback>
-      <p:transition advTm="30000"/>
+      <p:transition advTm="20000"/>
     </mc:Fallback>
   </mc:AlternateContent>
 </p:sld>
@@ -12219,10 +12219,10 @@
   </p:clrMapOvr>
   <mc:AlternateContent xmlns:mc="http://schemas.openxmlformats.org/markup-compatibility/2006">
     <mc:Choice xmlns:p14="http://schemas.microsoft.com/office/powerpoint/2010/main" Requires="p14">
-      <p:transition p14:dur="10" advTm="30000"/>
+      <p:transition p14:dur="10" advTm="5000"/>
     </mc:Choice>
     <mc:Fallback>
-      <p:transition advTm="30000"/>
+      <p:transition advTm="5000"/>
     </mc:Fallback>
   </mc:AlternateContent>
 </p:sld>
@@ -12298,10 +12298,10 @@
   </p:clrMapOvr>
   <mc:AlternateContent xmlns:mc="http://schemas.openxmlformats.org/markup-compatibility/2006">
     <mc:Choice xmlns:p14="http://schemas.microsoft.com/office/powerpoint/2010/main" Requires="p14">
-      <p:transition p14:dur="10" advTm="30000"/>
+      <p:transition p14:dur="10" advTm="20000"/>
     </mc:Choice>
     <mc:Fallback>
-      <p:transition advTm="30000"/>
+      <p:transition advTm="20000"/>
     </mc:Fallback>
   </mc:AlternateContent>
 </p:sld>
@@ -12377,10 +12377,10 @@
   </p:clrMapOvr>
   <mc:AlternateContent xmlns:mc="http://schemas.openxmlformats.org/markup-compatibility/2006">
     <mc:Choice xmlns:p14="http://schemas.microsoft.com/office/powerpoint/2010/main" Requires="p14">
-      <p:transition p14:dur="10" advTm="30000"/>
+      <p:transition p14:dur="10" advTm="5000"/>
     </mc:Choice>
     <mc:Fallback>
-      <p:transition advTm="30000"/>
+      <p:transition advTm="5000"/>
     </mc:Fallback>
   </mc:AlternateContent>
 </p:sld>
@@ -12456,10 +12456,10 @@
   </p:clrMapOvr>
   <mc:AlternateContent xmlns:mc="http://schemas.openxmlformats.org/markup-compatibility/2006">
     <mc:Choice xmlns:p14="http://schemas.microsoft.com/office/powerpoint/2010/main" Requires="p14">
-      <p:transition p14:dur="10" advTm="30000"/>
+      <p:transition p14:dur="10" advTm="20000"/>
     </mc:Choice>
     <mc:Fallback>
-      <p:transition advTm="30000"/>
+      <p:transition advTm="20000"/>
     </mc:Fallback>
   </mc:AlternateContent>
 </p:sld>
@@ -12535,10 +12535,10 @@
   </p:clrMapOvr>
   <mc:AlternateContent xmlns:mc="http://schemas.openxmlformats.org/markup-compatibility/2006">
     <mc:Choice xmlns:p14="http://schemas.microsoft.com/office/powerpoint/2010/main" Requires="p14">
-      <p:transition p14:dur="10" advTm="30000"/>
+      <p:transition p14:dur="10" advTm="5000"/>
     </mc:Choice>
     <mc:Fallback>
-      <p:transition advTm="30000"/>
+      <p:transition advTm="5000"/>
     </mc:Fallback>
   </mc:AlternateContent>
 </p:sld>
@@ -12614,10 +12614,10 @@
   </p:clrMapOvr>
   <mc:AlternateContent xmlns:mc="http://schemas.openxmlformats.org/markup-compatibility/2006">
     <mc:Choice xmlns:p14="http://schemas.microsoft.com/office/powerpoint/2010/main" Requires="p14">
-      <p:transition p14:dur="10" advTm="30000"/>
+      <p:transition p14:dur="10" advTm="20000"/>
     </mc:Choice>
     <mc:Fallback>
-      <p:transition advTm="30000"/>
+      <p:transition advTm="20000"/>
     </mc:Fallback>
   </mc:AlternateContent>
 </p:sld>
@@ -12693,10 +12693,10 @@
   </p:clrMapOvr>
   <mc:AlternateContent xmlns:mc="http://schemas.openxmlformats.org/markup-compatibility/2006">
     <mc:Choice xmlns:p14="http://schemas.microsoft.com/office/powerpoint/2010/main" Requires="p14">
-      <p:transition p14:dur="10" advTm="30000"/>
+      <p:transition p14:dur="10" advTm="5000"/>
     </mc:Choice>
     <mc:Fallback>
-      <p:transition advTm="30000"/>
+      <p:transition advTm="5000"/>
     </mc:Fallback>
   </mc:AlternateContent>
 </p:sld>
@@ -12772,10 +12772,10 @@
   </p:clrMapOvr>
   <mc:AlternateContent xmlns:mc="http://schemas.openxmlformats.org/markup-compatibility/2006">
     <mc:Choice xmlns:p14="http://schemas.microsoft.com/office/powerpoint/2010/main" Requires="p14">
-      <p:transition p14:dur="10" advTm="30000"/>
+      <p:transition p14:dur="10" advTm="20000"/>
     </mc:Choice>
     <mc:Fallback>
-      <p:transition advTm="30000"/>
+      <p:transition advTm="20000"/>
     </mc:Fallback>
   </mc:AlternateContent>
 </p:sld>
@@ -12851,10 +12851,10 @@
   </p:clrMapOvr>
   <mc:AlternateContent xmlns:mc="http://schemas.openxmlformats.org/markup-compatibility/2006">
     <mc:Choice xmlns:p14="http://schemas.microsoft.com/office/powerpoint/2010/main" Requires="p14">
-      <p:transition p14:dur="10" advTm="30000"/>
+      <p:transition p14:dur="10" advTm="5000"/>
     </mc:Choice>
     <mc:Fallback>
-      <p:transition advTm="30000"/>
+      <p:transition advTm="5000"/>
     </mc:Fallback>
   </mc:AlternateContent>
 </p:sld>
@@ -12930,10 +12930,10 @@
   </p:clrMapOvr>
   <mc:AlternateContent xmlns:mc="http://schemas.openxmlformats.org/markup-compatibility/2006">
     <mc:Choice xmlns:p14="http://schemas.microsoft.com/office/powerpoint/2010/main" Requires="p14">
-      <p:transition p14:dur="10" advTm="30000"/>
+      <p:transition p14:dur="10" advTm="20000"/>
     </mc:Choice>
     <mc:Fallback>
-      <p:transition advTm="30000"/>
+      <p:transition advTm="20000"/>
     </mc:Fallback>
   </mc:AlternateContent>
 </p:sld>
@@ -13009,10 +13009,10 @@
   </p:clrMapOvr>
   <mc:AlternateContent xmlns:mc="http://schemas.openxmlformats.org/markup-compatibility/2006">
     <mc:Choice xmlns:p14="http://schemas.microsoft.com/office/powerpoint/2010/main" Requires="p14">
-      <p:transition p14:dur="10" advTm="30000"/>
+      <p:transition p14:dur="10" advTm="5000"/>
     </mc:Choice>
     <mc:Fallback>
-      <p:transition advTm="30000"/>
+      <p:transition advTm="5000"/>
     </mc:Fallback>
   </mc:AlternateContent>
 </p:sld>
@@ -13088,10 +13088,10 @@
   </p:clrMapOvr>
   <mc:AlternateContent xmlns:mc="http://schemas.openxmlformats.org/markup-compatibility/2006">
     <mc:Choice xmlns:p14="http://schemas.microsoft.com/office/powerpoint/2010/main" Requires="p14">
-      <p:transition p14:dur="10" advTm="30000"/>
+      <p:transition p14:dur="10" advTm="5000"/>
     </mc:Choice>
     <mc:Fallback>
-      <p:transition advTm="30000"/>
+      <p:transition advTm="5000"/>
     </mc:Fallback>
   </mc:AlternateContent>
 </p:sld>
@@ -13167,10 +13167,10 @@
   </p:clrMapOvr>
   <mc:AlternateContent xmlns:mc="http://schemas.openxmlformats.org/markup-compatibility/2006">
     <mc:Choice xmlns:p14="http://schemas.microsoft.com/office/powerpoint/2010/main" Requires="p14">
-      <p:transition p14:dur="10" advTm="30000"/>
+      <p:transition p14:dur="10" advTm="20000"/>
     </mc:Choice>
     <mc:Fallback>
-      <p:transition advTm="30000"/>
+      <p:transition advTm="20000"/>
     </mc:Fallback>
   </mc:AlternateContent>
 </p:sld>
@@ -13246,10 +13246,10 @@
   </p:clrMapOvr>
   <mc:AlternateContent xmlns:mc="http://schemas.openxmlformats.org/markup-compatibility/2006">
     <mc:Choice xmlns:p14="http://schemas.microsoft.com/office/powerpoint/2010/main" Requires="p14">
-      <p:transition p14:dur="10" advTm="30000"/>
+      <p:transition p14:dur="10" advTm="5000"/>
     </mc:Choice>
     <mc:Fallback>
-      <p:transition advTm="30000"/>
+      <p:transition advTm="5000"/>
     </mc:Fallback>
   </mc:AlternateContent>
 </p:sld>
@@ -13325,10 +13325,10 @@
   </p:clrMapOvr>
   <mc:AlternateContent xmlns:mc="http://schemas.openxmlformats.org/markup-compatibility/2006">
     <mc:Choice xmlns:p14="http://schemas.microsoft.com/office/powerpoint/2010/main" Requires="p14">
-      <p:transition p14:dur="10" advTm="30000"/>
+      <p:transition p14:dur="10" advTm="20000"/>
     </mc:Choice>
     <mc:Fallback>
-      <p:transition advTm="30000"/>
+      <p:transition advTm="20000"/>
     </mc:Fallback>
   </mc:AlternateContent>
 </p:sld>
@@ -13404,10 +13404,10 @@
   </p:clrMapOvr>
   <mc:AlternateContent xmlns:mc="http://schemas.openxmlformats.org/markup-compatibility/2006">
     <mc:Choice xmlns:p14="http://schemas.microsoft.com/office/powerpoint/2010/main" Requires="p14">
-      <p:transition p14:dur="10" advTm="30000"/>
+      <p:transition p14:dur="10" advTm="5000"/>
     </mc:Choice>
     <mc:Fallback>
-      <p:transition advTm="30000"/>
+      <p:transition advTm="5000"/>
     </mc:Fallback>
   </mc:AlternateContent>
 </p:sld>
@@ -13483,10 +13483,10 @@
   </p:clrMapOvr>
   <mc:AlternateContent xmlns:mc="http://schemas.openxmlformats.org/markup-compatibility/2006">
     <mc:Choice xmlns:p14="http://schemas.microsoft.com/office/powerpoint/2010/main" Requires="p14">
-      <p:transition p14:dur="10" advTm="30000"/>
+      <p:transition p14:dur="10" advTm="20000"/>
     </mc:Choice>
     <mc:Fallback>
-      <p:transition advTm="30000"/>
+      <p:transition advTm="20000"/>
     </mc:Fallback>
   </mc:AlternateContent>
 </p:sld>
@@ -13562,10 +13562,10 @@
   </p:clrMapOvr>
   <mc:AlternateContent xmlns:mc="http://schemas.openxmlformats.org/markup-compatibility/2006">
     <mc:Choice xmlns:p14="http://schemas.microsoft.com/office/powerpoint/2010/main" Requires="p14">
-      <p:transition p14:dur="10" advTm="30000"/>
+      <p:transition p14:dur="10" advTm="5000"/>
     </mc:Choice>
     <mc:Fallback>
-      <p:transition advTm="30000"/>
+      <p:transition advTm="5000"/>
     </mc:Fallback>
   </mc:AlternateContent>
 </p:sld>
@@ -13641,10 +13641,10 @@
   </p:clrMapOvr>
   <mc:AlternateContent xmlns:mc="http://schemas.openxmlformats.org/markup-compatibility/2006">
     <mc:Choice xmlns:p14="http://schemas.microsoft.com/office/powerpoint/2010/main" Requires="p14">
-      <p:transition p14:dur="10" advTm="30000"/>
+      <p:transition p14:dur="10" advTm="20000"/>
     </mc:Choice>
     <mc:Fallback>
-      <p:transition advTm="30000"/>
+      <p:transition advTm="20000"/>
     </mc:Fallback>
   </mc:AlternateContent>
 </p:sld>
@@ -13720,10 +13720,10 @@
   </p:clrMapOvr>
   <mc:AlternateContent xmlns:mc="http://schemas.openxmlformats.org/markup-compatibility/2006">
     <mc:Choice xmlns:p14="http://schemas.microsoft.com/office/powerpoint/2010/main" Requires="p14">
-      <p:transition p14:dur="10" advTm="30000"/>
+      <p:transition p14:dur="10" advTm="5000"/>
     </mc:Choice>
     <mc:Fallback>
-      <p:transition advTm="30000"/>
+      <p:transition advTm="5000"/>
     </mc:Fallback>
   </mc:AlternateContent>
 </p:sld>
@@ -13799,10 +13799,10 @@
   </p:clrMapOvr>
   <mc:AlternateContent xmlns:mc="http://schemas.openxmlformats.org/markup-compatibility/2006">
     <mc:Choice xmlns:p14="http://schemas.microsoft.com/office/powerpoint/2010/main" Requires="p14">
-      <p:transition p14:dur="10" advTm="30000"/>
+      <p:transition p14:dur="10" advTm="20000"/>
     </mc:Choice>
     <mc:Fallback>
-      <p:transition advTm="30000"/>
+      <p:transition advTm="20000"/>
     </mc:Fallback>
   </mc:AlternateContent>
 </p:sld>
@@ -13878,10 +13878,10 @@
   </p:clrMapOvr>
   <mc:AlternateContent xmlns:mc="http://schemas.openxmlformats.org/markup-compatibility/2006">
     <mc:Choice xmlns:p14="http://schemas.microsoft.com/office/powerpoint/2010/main" Requires="p14">
-      <p:transition p14:dur="10" advTm="30000"/>
+      <p:transition p14:dur="10" advTm="20000"/>
     </mc:Choice>
     <mc:Fallback>
-      <p:transition advTm="30000"/>
+      <p:transition advTm="20000"/>
     </mc:Fallback>
   </mc:AlternateContent>
 </p:sld>
@@ -13957,10 +13957,10 @@
   </p:clrMapOvr>
   <mc:AlternateContent xmlns:mc="http://schemas.openxmlformats.org/markup-compatibility/2006">
     <mc:Choice xmlns:p14="http://schemas.microsoft.com/office/powerpoint/2010/main" Requires="p14">
-      <p:transition p14:dur="10" advTm="30000"/>
+      <p:transition p14:dur="10" advTm="5000"/>
     </mc:Choice>
     <mc:Fallback>
-      <p:transition advTm="30000"/>
+      <p:transition advTm="5000"/>
     </mc:Fallback>
   </mc:AlternateContent>
 </p:sld>
@@ -14036,10 +14036,10 @@
   </p:clrMapOvr>
   <mc:AlternateContent xmlns:mc="http://schemas.openxmlformats.org/markup-compatibility/2006">
     <mc:Choice xmlns:p14="http://schemas.microsoft.com/office/powerpoint/2010/main" Requires="p14">
-      <p:transition p14:dur="10" advTm="30000"/>
+      <p:transition p14:dur="10" advTm="20000"/>
     </mc:Choice>
     <mc:Fallback>
-      <p:transition advTm="30000"/>
+      <p:transition advTm="20000"/>
     </mc:Fallback>
   </mc:AlternateContent>
 </p:sld>
@@ -14115,10 +14115,10 @@
   </p:clrMapOvr>
   <mc:AlternateContent xmlns:mc="http://schemas.openxmlformats.org/markup-compatibility/2006">
     <mc:Choice xmlns:p14="http://schemas.microsoft.com/office/powerpoint/2010/main" Requires="p14">
-      <p:transition p14:dur="10" advTm="30000"/>
+      <p:transition p14:dur="10" advTm="5000"/>
     </mc:Choice>
     <mc:Fallback>
-      <p:transition advTm="30000"/>
+      <p:transition advTm="5000"/>
     </mc:Fallback>
   </mc:AlternateContent>
 </p:sld>
@@ -14194,10 +14194,10 @@
   </p:clrMapOvr>
   <mc:AlternateContent xmlns:mc="http://schemas.openxmlformats.org/markup-compatibility/2006">
     <mc:Choice xmlns:p14="http://schemas.microsoft.com/office/powerpoint/2010/main" Requires="p14">
-      <p:transition p14:dur="10" advTm="30000"/>
+      <p:transition p14:dur="10" advTm="20000"/>
     </mc:Choice>
     <mc:Fallback>
-      <p:transition advTm="30000"/>
+      <p:transition advTm="20000"/>
     </mc:Fallback>
   </mc:AlternateContent>
 </p:sld>
@@ -14273,10 +14273,10 @@
   </p:clrMapOvr>
   <mc:AlternateContent xmlns:mc="http://schemas.openxmlformats.org/markup-compatibility/2006">
     <mc:Choice xmlns:p14="http://schemas.microsoft.com/office/powerpoint/2010/main" Requires="p14">
-      <p:transition p14:dur="10" advTm="30000"/>
+      <p:transition p14:dur="10" advTm="5000"/>
     </mc:Choice>
     <mc:Fallback>
-      <p:transition advTm="30000"/>
+      <p:transition advTm="5000"/>
     </mc:Fallback>
   </mc:AlternateContent>
 </p:sld>
@@ -14352,10 +14352,10 @@
   </p:clrMapOvr>
   <mc:AlternateContent xmlns:mc="http://schemas.openxmlformats.org/markup-compatibility/2006">
     <mc:Choice xmlns:p14="http://schemas.microsoft.com/office/powerpoint/2010/main" Requires="p14">
-      <p:transition p14:dur="10" advTm="30000"/>
+      <p:transition p14:dur="10" advTm="20000"/>
     </mc:Choice>
     <mc:Fallback>
-      <p:transition advTm="30000"/>
+      <p:transition advTm="20000"/>
     </mc:Fallback>
   </mc:AlternateContent>
 </p:sld>
@@ -14431,10 +14431,10 @@
   </p:clrMapOvr>
   <mc:AlternateContent xmlns:mc="http://schemas.openxmlformats.org/markup-compatibility/2006">
     <mc:Choice xmlns:p14="http://schemas.microsoft.com/office/powerpoint/2010/main" Requires="p14">
-      <p:transition p14:dur="10" advTm="30000"/>
+      <p:transition p14:dur="10" advTm="5000"/>
     </mc:Choice>
     <mc:Fallback>
-      <p:transition advTm="30000"/>
+      <p:transition advTm="5000"/>
     </mc:Fallback>
   </mc:AlternateContent>
 </p:sld>
@@ -14510,10 +14510,10 @@
   </p:clrMapOvr>
   <mc:AlternateContent xmlns:mc="http://schemas.openxmlformats.org/markup-compatibility/2006">
     <mc:Choice xmlns:p14="http://schemas.microsoft.com/office/powerpoint/2010/main" Requires="p14">
-      <p:transition p14:dur="10" advTm="30000"/>
+      <p:transition p14:dur="10" advTm="20000"/>
     </mc:Choice>
     <mc:Fallback>
-      <p:transition advTm="30000"/>
+      <p:transition advTm="20000"/>
     </mc:Fallback>
   </mc:AlternateContent>
 </p:sld>
@@ -14589,10 +14589,10 @@
   </p:clrMapOvr>
   <mc:AlternateContent xmlns:mc="http://schemas.openxmlformats.org/markup-compatibility/2006">
     <mc:Choice xmlns:p14="http://schemas.microsoft.com/office/powerpoint/2010/main" Requires="p14">
-      <p:transition p14:dur="10" advTm="30000"/>
+      <p:transition p14:dur="10" advTm="5000"/>
     </mc:Choice>
     <mc:Fallback>
-      <p:transition advTm="30000"/>
+      <p:transition advTm="5000"/>
     </mc:Fallback>
   </mc:AlternateContent>
 </p:sld>
@@ -14668,10 +14668,10 @@
   </p:clrMapOvr>
   <mc:AlternateContent xmlns:mc="http://schemas.openxmlformats.org/markup-compatibility/2006">
     <mc:Choice xmlns:p14="http://schemas.microsoft.com/office/powerpoint/2010/main" Requires="p14">
-      <p:transition p14:dur="10" advTm="30000"/>
+      <p:transition p14:dur="10" advTm="20000"/>
     </mc:Choice>
     <mc:Fallback>
-      <p:transition advTm="30000"/>
+      <p:transition advTm="20000"/>
     </mc:Fallback>
   </mc:AlternateContent>
 </p:sld>
@@ -14747,10 +14747,10 @@
   </p:clrMapOvr>
   <mc:AlternateContent xmlns:mc="http://schemas.openxmlformats.org/markup-compatibility/2006">
     <mc:Choice xmlns:p14="http://schemas.microsoft.com/office/powerpoint/2010/main" Requires="p14">
-      <p:transition p14:dur="10" advTm="30000"/>
+      <p:transition p14:dur="10" advTm="5000"/>
     </mc:Choice>
     <mc:Fallback>
-      <p:transition advTm="30000"/>
+      <p:transition advTm="5000"/>
     </mc:Fallback>
   </mc:AlternateContent>
 </p:sld>
@@ -14826,10 +14826,10 @@
   </p:clrMapOvr>
   <mc:AlternateContent xmlns:mc="http://schemas.openxmlformats.org/markup-compatibility/2006">
     <mc:Choice xmlns:p14="http://schemas.microsoft.com/office/powerpoint/2010/main" Requires="p14">
-      <p:transition p14:dur="10" advTm="30000"/>
+      <p:transition p14:dur="10" advTm="5000"/>
     </mc:Choice>
     <mc:Fallback>
-      <p:transition advTm="30000"/>
+      <p:transition advTm="5000"/>
     </mc:Fallback>
   </mc:AlternateContent>
 </p:sld>
@@ -14905,10 +14905,10 @@
   </p:clrMapOvr>
   <mc:AlternateContent xmlns:mc="http://schemas.openxmlformats.org/markup-compatibility/2006">
     <mc:Choice xmlns:p14="http://schemas.microsoft.com/office/powerpoint/2010/main" Requires="p14">
-      <p:transition p14:dur="10" advTm="30000"/>
+      <p:transition p14:dur="10" advTm="20000"/>
     </mc:Choice>
     <mc:Fallback>
-      <p:transition advTm="30000"/>
+      <p:transition advTm="20000"/>
     </mc:Fallback>
   </mc:AlternateContent>
 </p:sld>
@@ -14984,10 +14984,10 @@
   </p:clrMapOvr>
   <mc:AlternateContent xmlns:mc="http://schemas.openxmlformats.org/markup-compatibility/2006">
     <mc:Choice xmlns:p14="http://schemas.microsoft.com/office/powerpoint/2010/main" Requires="p14">
-      <p:transition p14:dur="10" advTm="30000"/>
+      <p:transition p14:dur="10" advTm="5000"/>
     </mc:Choice>
     <mc:Fallback>
-      <p:transition advTm="30000"/>
+      <p:transition advTm="5000"/>
     </mc:Fallback>
   </mc:AlternateContent>
 </p:sld>
@@ -15063,10 +15063,10 @@
   </p:clrMapOvr>
   <mc:AlternateContent xmlns:mc="http://schemas.openxmlformats.org/markup-compatibility/2006">
     <mc:Choice xmlns:p14="http://schemas.microsoft.com/office/powerpoint/2010/main" Requires="p14">
-      <p:transition p14:dur="10" advTm="30000"/>
+      <p:transition p14:dur="10" advTm="20000"/>
     </mc:Choice>
     <mc:Fallback>
-      <p:transition advTm="30000"/>
+      <p:transition advTm="20000"/>
     </mc:Fallback>
   </mc:AlternateContent>
 </p:sld>
@@ -15142,10 +15142,10 @@
   </p:clrMapOvr>
   <mc:AlternateContent xmlns:mc="http://schemas.openxmlformats.org/markup-compatibility/2006">
     <mc:Choice xmlns:p14="http://schemas.microsoft.com/office/powerpoint/2010/main" Requires="p14">
-      <p:transition p14:dur="10" advTm="30000"/>
+      <p:transition p14:dur="10" advTm="5000"/>
     </mc:Choice>
     <mc:Fallback>
-      <p:transition advTm="30000"/>
+      <p:transition advTm="5000"/>
     </mc:Fallback>
   </mc:AlternateContent>
 </p:sld>
@@ -15221,10 +15221,10 @@
   </p:clrMapOvr>
   <mc:AlternateContent xmlns:mc="http://schemas.openxmlformats.org/markup-compatibility/2006">
     <mc:Choice xmlns:p14="http://schemas.microsoft.com/office/powerpoint/2010/main" Requires="p14">
-      <p:transition p14:dur="10" advTm="30000"/>
+      <p:transition p14:dur="10" advTm="20000"/>
     </mc:Choice>
     <mc:Fallback>
-      <p:transition advTm="30000"/>
+      <p:transition advTm="20000"/>
     </mc:Fallback>
   </mc:AlternateContent>
 </p:sld>
@@ -15300,10 +15300,10 @@
   </p:clrMapOvr>
   <mc:AlternateContent xmlns:mc="http://schemas.openxmlformats.org/markup-compatibility/2006">
     <mc:Choice xmlns:p14="http://schemas.microsoft.com/office/powerpoint/2010/main" Requires="p14">
-      <p:transition p14:dur="10" advTm="30000"/>
+      <p:transition p14:dur="10" advTm="5000"/>
     </mc:Choice>
     <mc:Fallback>
-      <p:transition advTm="30000"/>
+      <p:transition advTm="5000"/>
     </mc:Fallback>
   </mc:AlternateContent>
 </p:sld>
@@ -15379,10 +15379,10 @@
   </p:clrMapOvr>
   <mc:AlternateContent xmlns:mc="http://schemas.openxmlformats.org/markup-compatibility/2006">
     <mc:Choice xmlns:p14="http://schemas.microsoft.com/office/powerpoint/2010/main" Requires="p14">
-      <p:transition p14:dur="10" advTm="30000"/>
+      <p:transition p14:dur="10" advTm="20000"/>
     </mc:Choice>
     <mc:Fallback>
-      <p:transition advTm="30000"/>
+      <p:transition advTm="20000"/>
     </mc:Fallback>
   </mc:AlternateContent>
 </p:sld>
@@ -15458,10 +15458,10 @@
   </p:clrMapOvr>
   <mc:AlternateContent xmlns:mc="http://schemas.openxmlformats.org/markup-compatibility/2006">
     <mc:Choice xmlns:p14="http://schemas.microsoft.com/office/powerpoint/2010/main" Requires="p14">
-      <p:transition p14:dur="10" advTm="30000"/>
+      <p:transition p14:dur="10" advTm="5000"/>
     </mc:Choice>
     <mc:Fallback>
-      <p:transition advTm="30000"/>
+      <p:transition advTm="5000"/>
     </mc:Fallback>
   </mc:AlternateContent>
 </p:sld>
@@ -15537,10 +15537,10 @@
   </p:clrMapOvr>
   <mc:AlternateContent xmlns:mc="http://schemas.openxmlformats.org/markup-compatibility/2006">
     <mc:Choice xmlns:p14="http://schemas.microsoft.com/office/powerpoint/2010/main" Requires="p14">
-      <p:transition p14:dur="10" advTm="30000"/>
+      <p:transition p14:dur="10" advTm="20000"/>
     </mc:Choice>
     <mc:Fallback>
-      <p:transition advTm="30000"/>
+      <p:transition advTm="20000"/>
     </mc:Fallback>
   </mc:AlternateContent>
 </p:sld>
@@ -15616,10 +15616,10 @@
   </p:clrMapOvr>
   <mc:AlternateContent xmlns:mc="http://schemas.openxmlformats.org/markup-compatibility/2006">
     <mc:Choice xmlns:p14="http://schemas.microsoft.com/office/powerpoint/2010/main" Requires="p14">
-      <p:transition p14:dur="10" advTm="30000"/>
+      <p:transition p14:dur="10" advTm="20000"/>
     </mc:Choice>
     <mc:Fallback>
-      <p:transition advTm="30000"/>
+      <p:transition advTm="20000"/>
     </mc:Fallback>
   </mc:AlternateContent>
 </p:sld>
@@ -15695,10 +15695,10 @@
   </p:clrMapOvr>
   <mc:AlternateContent xmlns:mc="http://schemas.openxmlformats.org/markup-compatibility/2006">
     <mc:Choice xmlns:p14="http://schemas.microsoft.com/office/powerpoint/2010/main" Requires="p14">
-      <p:transition p14:dur="10" advTm="30000"/>
+      <p:transition p14:dur="10" advTm="5000"/>
     </mc:Choice>
     <mc:Fallback>
-      <p:transition advTm="30000"/>
+      <p:transition advTm="5000"/>
     </mc:Fallback>
   </mc:AlternateContent>
 </p:sld>
@@ -15774,10 +15774,10 @@
   </p:clrMapOvr>
   <mc:AlternateContent xmlns:mc="http://schemas.openxmlformats.org/markup-compatibility/2006">
     <mc:Choice xmlns:p14="http://schemas.microsoft.com/office/powerpoint/2010/main" Requires="p14">
-      <p:transition p14:dur="10" advTm="30000"/>
+      <p:transition p14:dur="10" advTm="20000"/>
     </mc:Choice>
     <mc:Fallback>
-      <p:transition advTm="30000"/>
+      <p:transition advTm="20000"/>
     </mc:Fallback>
   </mc:AlternateContent>
 </p:sld>
@@ -15853,10 +15853,10 @@
   </p:clrMapOvr>
   <mc:AlternateContent xmlns:mc="http://schemas.openxmlformats.org/markup-compatibility/2006">
     <mc:Choice xmlns:p14="http://schemas.microsoft.com/office/powerpoint/2010/main" Requires="p14">
-      <p:transition p14:dur="10" advTm="30000"/>
+      <p:transition p14:dur="10" advTm="5000"/>
     </mc:Choice>
     <mc:Fallback>
-      <p:transition advTm="30000"/>
+      <p:transition advTm="5000"/>
     </mc:Fallback>
   </mc:AlternateContent>
 </p:sld>
@@ -15932,10 +15932,10 @@
   </p:clrMapOvr>
   <mc:AlternateContent xmlns:mc="http://schemas.openxmlformats.org/markup-compatibility/2006">
     <mc:Choice xmlns:p14="http://schemas.microsoft.com/office/powerpoint/2010/main" Requires="p14">
-      <p:transition p14:dur="10" advTm="30000"/>
+      <p:transition p14:dur="10" advTm="20000"/>
     </mc:Choice>
     <mc:Fallback>
-      <p:transition advTm="30000"/>
+      <p:transition advTm="20000"/>
     </mc:Fallback>
   </mc:AlternateContent>
 </p:sld>
@@ -16011,10 +16011,10 @@
   </p:clrMapOvr>
   <mc:AlternateContent xmlns:mc="http://schemas.openxmlformats.org/markup-compatibility/2006">
     <mc:Choice xmlns:p14="http://schemas.microsoft.com/office/powerpoint/2010/main" Requires="p14">
-      <p:transition p14:dur="10" advTm="30000"/>
+      <p:transition p14:dur="10" advTm="5000"/>
     </mc:Choice>
     <mc:Fallback>
-      <p:transition advTm="30000"/>
+      <p:transition advTm="5000"/>
     </mc:Fallback>
   </mc:AlternateContent>
 </p:sld>
@@ -16090,10 +16090,10 @@
   </p:clrMapOvr>
   <mc:AlternateContent xmlns:mc="http://schemas.openxmlformats.org/markup-compatibility/2006">
     <mc:Choice xmlns:p14="http://schemas.microsoft.com/office/powerpoint/2010/main" Requires="p14">
-      <p:transition p14:dur="10" advTm="30000"/>
+      <p:transition p14:dur="10" advTm="20000"/>
     </mc:Choice>
     <mc:Fallback>
-      <p:transition advTm="30000"/>
+      <p:transition advTm="20000"/>
     </mc:Fallback>
   </mc:AlternateContent>
 </p:sld>
@@ -16169,10 +16169,10 @@
   </p:clrMapOvr>
   <mc:AlternateContent xmlns:mc="http://schemas.openxmlformats.org/markup-compatibility/2006">
     <mc:Choice xmlns:p14="http://schemas.microsoft.com/office/powerpoint/2010/main" Requires="p14">
-      <p:transition p14:dur="10" advTm="30000"/>
+      <p:transition p14:dur="10" advTm="5000"/>
     </mc:Choice>
     <mc:Fallback>
-      <p:transition advTm="30000"/>
+      <p:transition advTm="5000"/>
     </mc:Fallback>
   </mc:AlternateContent>
 </p:sld>
@@ -16248,10 +16248,10 @@
   </p:clrMapOvr>
   <mc:AlternateContent xmlns:mc="http://schemas.openxmlformats.org/markup-compatibility/2006">
     <mc:Choice xmlns:p14="http://schemas.microsoft.com/office/powerpoint/2010/main" Requires="p14">
-      <p:transition p14:dur="10" advTm="30000"/>
+      <p:transition p14:dur="10" advTm="20000"/>
     </mc:Choice>
     <mc:Fallback>
-      <p:transition advTm="30000"/>
+      <p:transition advTm="20000"/>
     </mc:Fallback>
   </mc:AlternateContent>
 </p:sld>
@@ -16327,10 +16327,10 @@
   </p:clrMapOvr>
   <mc:AlternateContent xmlns:mc="http://schemas.openxmlformats.org/markup-compatibility/2006">
     <mc:Choice xmlns:p14="http://schemas.microsoft.com/office/powerpoint/2010/main" Requires="p14">
-      <p:transition p14:dur="10" advTm="30000"/>
+      <p:transition p14:dur="10" advTm="5000"/>
     </mc:Choice>
     <mc:Fallback>
-      <p:transition advTm="30000"/>
+      <p:transition advTm="5000"/>
     </mc:Fallback>
   </mc:AlternateContent>
 </p:sld>
@@ -16406,10 +16406,10 @@
   </p:clrMapOvr>
   <mc:AlternateContent xmlns:mc="http://schemas.openxmlformats.org/markup-compatibility/2006">
     <mc:Choice xmlns:p14="http://schemas.microsoft.com/office/powerpoint/2010/main" Requires="p14">
-      <p:transition p14:dur="10" advTm="30000"/>
+      <p:transition p14:dur="10" advTm="20000"/>
     </mc:Choice>
     <mc:Fallback>
-      <p:transition advTm="30000"/>
+      <p:transition advTm="20000"/>
     </mc:Fallback>
   </mc:AlternateContent>
 </p:sld>
@@ -16485,10 +16485,10 @@
   </p:clrMapOvr>
   <mc:AlternateContent xmlns:mc="http://schemas.openxmlformats.org/markup-compatibility/2006">
     <mc:Choice xmlns:p14="http://schemas.microsoft.com/office/powerpoint/2010/main" Requires="p14">
-      <p:transition p14:dur="10" advTm="30000"/>
+      <p:transition p14:dur="10" advTm="5000"/>
     </mc:Choice>
     <mc:Fallback>
-      <p:transition advTm="30000"/>
+      <p:transition advTm="5000"/>
     </mc:Fallback>
   </mc:AlternateContent>
 </p:sld>
@@ -16564,10 +16564,10 @@
   </p:clrMapOvr>
   <mc:AlternateContent xmlns:mc="http://schemas.openxmlformats.org/markup-compatibility/2006">
     <mc:Choice xmlns:p14="http://schemas.microsoft.com/office/powerpoint/2010/main" Requires="p14">
-      <p:transition p14:dur="10" advTm="30000"/>
+      <p:transition p14:dur="10" advTm="5000"/>
     </mc:Choice>
     <mc:Fallback>
-      <p:transition advTm="30000"/>
+      <p:transition advTm="5000"/>
     </mc:Fallback>
   </mc:AlternateContent>
 </p:sld>
@@ -16643,10 +16643,10 @@
   </p:clrMapOvr>
   <mc:AlternateContent xmlns:mc="http://schemas.openxmlformats.org/markup-compatibility/2006">
     <mc:Choice xmlns:p14="http://schemas.microsoft.com/office/powerpoint/2010/main" Requires="p14">
-      <p:transition p14:dur="10" advTm="30000"/>
+      <p:transition p14:dur="10" advTm="20000"/>
     </mc:Choice>
     <mc:Fallback>
-      <p:transition advTm="30000"/>
+      <p:transition advTm="20000"/>
     </mc:Fallback>
   </mc:AlternateContent>
 </p:sld>
@@ -16722,10 +16722,10 @@
   </p:clrMapOvr>
   <mc:AlternateContent xmlns:mc="http://schemas.openxmlformats.org/markup-compatibility/2006">
     <mc:Choice xmlns:p14="http://schemas.microsoft.com/office/powerpoint/2010/main" Requires="p14">
-      <p:transition p14:dur="10" advTm="30000"/>
+      <p:transition p14:dur="10" advTm="5000"/>
     </mc:Choice>
     <mc:Fallback>
-      <p:transition advTm="30000"/>
+      <p:transition advTm="5000"/>
     </mc:Fallback>
   </mc:AlternateContent>
 </p:sld>
@@ -16801,10 +16801,10 @@
   </p:clrMapOvr>
   <mc:AlternateContent xmlns:mc="http://schemas.openxmlformats.org/markup-compatibility/2006">
     <mc:Choice xmlns:p14="http://schemas.microsoft.com/office/powerpoint/2010/main" Requires="p14">
-      <p:transition p14:dur="10" advTm="30000"/>
+      <p:transition p14:dur="10" advTm="20000"/>
     </mc:Choice>
     <mc:Fallback>
-      <p:transition advTm="30000"/>
+      <p:transition advTm="20000"/>
     </mc:Fallback>
   </mc:AlternateContent>
 </p:sld>
@@ -16880,10 +16880,10 @@
   </p:clrMapOvr>
   <mc:AlternateContent xmlns:mc="http://schemas.openxmlformats.org/markup-compatibility/2006">
     <mc:Choice xmlns:p14="http://schemas.microsoft.com/office/powerpoint/2010/main" Requires="p14">
-      <p:transition p14:dur="10" advTm="30000"/>
+      <p:transition p14:dur="10" advTm="5000"/>
     </mc:Choice>
     <mc:Fallback>
-      <p:transition advTm="30000"/>
+      <p:transition advTm="5000"/>
     </mc:Fallback>
   </mc:AlternateContent>
 </p:sld>
@@ -16959,10 +16959,10 @@
   </p:clrMapOvr>
   <mc:AlternateContent xmlns:mc="http://schemas.openxmlformats.org/markup-compatibility/2006">
     <mc:Choice xmlns:p14="http://schemas.microsoft.com/office/powerpoint/2010/main" Requires="p14">
-      <p:transition p14:dur="10" advTm="30000"/>
+      <p:transition p14:dur="10" advTm="20000"/>
     </mc:Choice>
     <mc:Fallback>
-      <p:transition advTm="30000"/>
+      <p:transition advTm="20000"/>
     </mc:Fallback>
   </mc:AlternateContent>
 </p:sld>
@@ -17038,10 +17038,10 @@
   </p:clrMapOvr>
   <mc:AlternateContent xmlns:mc="http://schemas.openxmlformats.org/markup-compatibility/2006">
     <mc:Choice xmlns:p14="http://schemas.microsoft.com/office/powerpoint/2010/main" Requires="p14">
-      <p:transition p14:dur="10" advTm="30000"/>
+      <p:transition p14:dur="10" advTm="5000"/>
     </mc:Choice>
     <mc:Fallback>
-      <p:transition advTm="30000"/>
+      <p:transition advTm="5000"/>
     </mc:Fallback>
   </mc:AlternateContent>
 </p:sld>
@@ -17117,10 +17117,10 @@
   </p:clrMapOvr>
   <mc:AlternateContent xmlns:mc="http://schemas.openxmlformats.org/markup-compatibility/2006">
     <mc:Choice xmlns:p14="http://schemas.microsoft.com/office/powerpoint/2010/main" Requires="p14">
-      <p:transition p14:dur="10" advTm="30000"/>
+      <p:transition p14:dur="10" advTm="20000"/>
     </mc:Choice>
     <mc:Fallback>
-      <p:transition advTm="30000"/>
+      <p:transition advTm="20000"/>
     </mc:Fallback>
   </mc:AlternateContent>
 </p:sld>
@@ -17196,10 +17196,10 @@
   </p:clrMapOvr>
   <mc:AlternateContent xmlns:mc="http://schemas.openxmlformats.org/markup-compatibility/2006">
     <mc:Choice xmlns:p14="http://schemas.microsoft.com/office/powerpoint/2010/main" Requires="p14">
-      <p:transition p14:dur="10" advTm="30000"/>
+      <p:transition p14:dur="10" advTm="5000"/>
     </mc:Choice>
     <mc:Fallback>
-      <p:transition advTm="30000"/>
+      <p:transition advTm="5000"/>
     </mc:Fallback>
   </mc:AlternateContent>
 </p:sld>
@@ -17275,10 +17275,10 @@
   </p:clrMapOvr>
   <mc:AlternateContent xmlns:mc="http://schemas.openxmlformats.org/markup-compatibility/2006">
     <mc:Choice xmlns:p14="http://schemas.microsoft.com/office/powerpoint/2010/main" Requires="p14">
-      <p:transition p14:dur="10" advTm="30000"/>
+      <p:transition p14:dur="10" advTm="20000"/>
     </mc:Choice>
     <mc:Fallback>
-      <p:transition advTm="30000"/>
+      <p:transition advTm="20000"/>
     </mc:Fallback>
   </mc:AlternateContent>
 </p:sld>
@@ -17354,10 +17354,10 @@
   </p:clrMapOvr>
   <mc:AlternateContent xmlns:mc="http://schemas.openxmlformats.org/markup-compatibility/2006">
     <mc:Choice xmlns:p14="http://schemas.microsoft.com/office/powerpoint/2010/main" Requires="p14">
-      <p:transition p14:dur="10" advTm="30000"/>
+      <p:transition p14:dur="10" advTm="20000"/>
     </mc:Choice>
     <mc:Fallback>
-      <p:transition advTm="30000"/>
+      <p:transition advTm="20000"/>
     </mc:Fallback>
   </mc:AlternateContent>
 </p:sld>
@@ -17433,10 +17433,10 @@
   </p:clrMapOvr>
   <mc:AlternateContent xmlns:mc="http://schemas.openxmlformats.org/markup-compatibility/2006">
     <mc:Choice xmlns:p14="http://schemas.microsoft.com/office/powerpoint/2010/main" Requires="p14">
-      <p:transition p14:dur="10" advTm="30000"/>
+      <p:transition p14:dur="10" advTm="5000"/>
     </mc:Choice>
     <mc:Fallback>
-      <p:transition advTm="30000"/>
+      <p:transition advTm="5000"/>
     </mc:Fallback>
   </mc:AlternateContent>
 </p:sld>
@@ -17512,10 +17512,10 @@
   </p:clrMapOvr>
   <mc:AlternateContent xmlns:mc="http://schemas.openxmlformats.org/markup-compatibility/2006">
     <mc:Choice xmlns:p14="http://schemas.microsoft.com/office/powerpoint/2010/main" Requires="p14">
-      <p:transition p14:dur="10" advTm="30000"/>
+      <p:transition p14:dur="10" advTm="20000"/>
     </mc:Choice>
     <mc:Fallback>
-      <p:transition advTm="30000"/>
+      <p:transition advTm="20000"/>
     </mc:Fallback>
   </mc:AlternateContent>
 </p:sld>
@@ -17591,10 +17591,10 @@
   </p:clrMapOvr>
   <mc:AlternateContent xmlns:mc="http://schemas.openxmlformats.org/markup-compatibility/2006">
     <mc:Choice xmlns:p14="http://schemas.microsoft.com/office/powerpoint/2010/main" Requires="p14">
-      <p:transition p14:dur="10" advTm="30000"/>
+      <p:transition p14:dur="10" advTm="5000"/>
     </mc:Choice>
     <mc:Fallback>
-      <p:transition advTm="30000"/>
+      <p:transition advTm="5000"/>
     </mc:Fallback>
   </mc:AlternateContent>
 </p:sld>
@@ -17670,10 +17670,10 @@
   </p:clrMapOvr>
   <mc:AlternateContent xmlns:mc="http://schemas.openxmlformats.org/markup-compatibility/2006">
     <mc:Choice xmlns:p14="http://schemas.microsoft.com/office/powerpoint/2010/main" Requires="p14">
-      <p:transition p14:dur="10" advTm="30000"/>
+      <p:transition p14:dur="10" advTm="20000"/>
     </mc:Choice>
     <mc:Fallback>
-      <p:transition advTm="30000"/>
+      <p:transition advTm="20000"/>
     </mc:Fallback>
   </mc:AlternateContent>
 </p:sld>
@@ -17749,10 +17749,10 @@
   </p:clrMapOvr>
   <mc:AlternateContent xmlns:mc="http://schemas.openxmlformats.org/markup-compatibility/2006">
     <mc:Choice xmlns:p14="http://schemas.microsoft.com/office/powerpoint/2010/main" Requires="p14">
-      <p:transition p14:dur="10" advTm="30000"/>
+      <p:transition p14:dur="10" advTm="5000"/>
     </mc:Choice>
     <mc:Fallback>
-      <p:transition advTm="30000"/>
+      <p:transition advTm="5000"/>
     </mc:Fallback>
   </mc:AlternateContent>
 </p:sld>
@@ -17828,10 +17828,10 @@
   </p:clrMapOvr>
   <mc:AlternateContent xmlns:mc="http://schemas.openxmlformats.org/markup-compatibility/2006">
     <mc:Choice xmlns:p14="http://schemas.microsoft.com/office/powerpoint/2010/main" Requires="p14">
-      <p:transition p14:dur="10" advTm="30000"/>
+      <p:transition p14:dur="10" advTm="20000"/>
     </mc:Choice>
     <mc:Fallback>
-      <p:transition advTm="30000"/>
+      <p:transition advTm="20000"/>
     </mc:Fallback>
   </mc:AlternateContent>
 </p:sld>
@@ -17907,10 +17907,10 @@
   </p:clrMapOvr>
   <mc:AlternateContent xmlns:mc="http://schemas.openxmlformats.org/markup-compatibility/2006">
     <mc:Choice xmlns:p14="http://schemas.microsoft.com/office/powerpoint/2010/main" Requires="p14">
-      <p:transition p14:dur="10" advTm="30000"/>
+      <p:transition p14:dur="10" advTm="5000"/>
     </mc:Choice>
     <mc:Fallback>
-      <p:transition advTm="30000"/>
+      <p:transition advTm="5000"/>
     </mc:Fallback>
   </mc:AlternateContent>
 </p:sld>
@@ -17986,10 +17986,10 @@
   </p:clrMapOvr>
   <mc:AlternateContent xmlns:mc="http://schemas.openxmlformats.org/markup-compatibility/2006">
     <mc:Choice xmlns:p14="http://schemas.microsoft.com/office/powerpoint/2010/main" Requires="p14">
-      <p:transition p14:dur="10" advTm="30000"/>
+      <p:transition p14:dur="10" advTm="20000"/>
     </mc:Choice>
     <mc:Fallback>
-      <p:transition advTm="30000"/>
+      <p:transition advTm="20000"/>
     </mc:Fallback>
   </mc:AlternateContent>
 </p:sld>
@@ -18065,10 +18065,10 @@
   </p:clrMapOvr>
   <mc:AlternateContent xmlns:mc="http://schemas.openxmlformats.org/markup-compatibility/2006">
     <mc:Choice xmlns:p14="http://schemas.microsoft.com/office/powerpoint/2010/main" Requires="p14">
-      <p:transition p14:dur="10" advTm="30000"/>
+      <p:transition p14:dur="10" advTm="5000"/>
     </mc:Choice>
     <mc:Fallback>
-      <p:transition advTm="30000"/>
+      <p:transition advTm="5000"/>
     </mc:Fallback>
   </mc:AlternateContent>
 </p:sld>
@@ -18144,10 +18144,10 @@
   </p:clrMapOvr>
   <mc:AlternateContent xmlns:mc="http://schemas.openxmlformats.org/markup-compatibility/2006">
     <mc:Choice xmlns:p14="http://schemas.microsoft.com/office/powerpoint/2010/main" Requires="p14">
-      <p:transition p14:dur="10" advTm="30000"/>
+      <p:transition p14:dur="10" advTm="20000"/>
     </mc:Choice>
     <mc:Fallback>
-      <p:transition advTm="30000"/>
+      <p:transition advTm="20000"/>
     </mc:Fallback>
   </mc:AlternateContent>
 </p:sld>
